--- a/2024年/周报20241213.pptx
+++ b/2024年/周报20241213.pptx
@@ -12,11 +12,13 @@
     <p:sldId id="317" r:id="rId4"/>
     <p:sldId id="321" r:id="rId6"/>
     <p:sldId id="323" r:id="rId7"/>
+    <p:sldId id="325" r:id="rId8"/>
+    <p:sldId id="324" r:id="rId9"/>
   </p:sldIdLst>
   <p:sldSz cx="21673820" cy="12192000"/>
   <p:notesSz cx="6858000" cy="9144000"/>
   <p:custDataLst>
-    <p:tags r:id="rId11"/>
+    <p:tags r:id="rId13"/>
   </p:custDataLst>
   <p:defaultTextStyle>
     <a:defPPr>
@@ -620,6 +622,162 @@
 </file>
 
 <file path=ppt/notesSlides/notesSlide3.xml><?xml version="1.0" encoding="utf-8"?>
+<p:notes xmlns:a="http://schemas.openxmlformats.org/drawingml/2006/main" xmlns:r="http://schemas.openxmlformats.org/officeDocument/2006/relationships" xmlns:p="http://schemas.openxmlformats.org/presentationml/2006/main">
+  <p:cSld>
+    <p:spTree>
+      <p:nvGrpSpPr>
+        <p:cNvPr id="1" name=""/>
+        <p:cNvGrpSpPr/>
+        <p:nvPr/>
+      </p:nvGrpSpPr>
+      <p:grpSpPr>
+        <a:xfrm>
+          <a:off x="0" y="0"/>
+          <a:ext cx="0" cy="0"/>
+          <a:chOff x="0" y="0"/>
+          <a:chExt cx="0" cy="0"/>
+        </a:xfrm>
+      </p:grpSpPr>
+      <p:sp>
+        <p:nvSpPr>
+          <p:cNvPr id="2" name="幻灯片图像占位符 1"/>
+          <p:cNvSpPr>
+            <a:spLocks noGrp="1" noRot="1" noChangeAspect="1"/>
+          </p:cNvSpPr>
+          <p:nvPr>
+            <p:ph type="sldImg"/>
+          </p:nvPr>
+        </p:nvSpPr>
+        <p:spPr/>
+      </p:sp>
+      <p:sp>
+        <p:nvSpPr>
+          <p:cNvPr id="3" name="备注占位符 2"/>
+          <p:cNvSpPr>
+            <a:spLocks noGrp="1"/>
+          </p:cNvSpPr>
+          <p:nvPr>
+            <p:ph type="body" idx="1"/>
+          </p:nvPr>
+        </p:nvSpPr>
+        <p:spPr/>
+        <p:txBody>
+          <a:bodyPr/>
+          <a:lstStyle/>
+          <a:p>
+            <a:endParaRPr lang="zh-CN" altLang="en-US" dirty="0"/>
+          </a:p>
+        </p:txBody>
+      </p:sp>
+      <p:sp>
+        <p:nvSpPr>
+          <p:cNvPr id="4" name="灯片编号占位符 3"/>
+          <p:cNvSpPr>
+            <a:spLocks noGrp="1"/>
+          </p:cNvSpPr>
+          <p:nvPr>
+            <p:ph type="sldNum" sz="quarter" idx="5"/>
+          </p:nvPr>
+        </p:nvSpPr>
+        <p:spPr/>
+        <p:txBody>
+          <a:bodyPr/>
+          <a:lstStyle/>
+          <a:p>
+            <a:fld id="{20243972-8437-4FFD-A994-054600F4BB13}" type="slidenum">
+              <a:rPr lang="zh-CN" altLang="en-US" smtClean="0"/>
+            </a:fld>
+            <a:endParaRPr lang="zh-CN" altLang="en-US"/>
+          </a:p>
+        </p:txBody>
+      </p:sp>
+    </p:spTree>
+  </p:cSld>
+  <p:clrMapOvr>
+    <a:masterClrMapping/>
+  </p:clrMapOvr>
+</p:notes>
+</file>
+
+<file path=ppt/notesSlides/notesSlide4.xml><?xml version="1.0" encoding="utf-8"?>
+<p:notes xmlns:a="http://schemas.openxmlformats.org/drawingml/2006/main" xmlns:r="http://schemas.openxmlformats.org/officeDocument/2006/relationships" xmlns:p="http://schemas.openxmlformats.org/presentationml/2006/main">
+  <p:cSld>
+    <p:spTree>
+      <p:nvGrpSpPr>
+        <p:cNvPr id="1" name=""/>
+        <p:cNvGrpSpPr/>
+        <p:nvPr/>
+      </p:nvGrpSpPr>
+      <p:grpSpPr>
+        <a:xfrm>
+          <a:off x="0" y="0"/>
+          <a:ext cx="0" cy="0"/>
+          <a:chOff x="0" y="0"/>
+          <a:chExt cx="0" cy="0"/>
+        </a:xfrm>
+      </p:grpSpPr>
+      <p:sp>
+        <p:nvSpPr>
+          <p:cNvPr id="2" name="幻灯片图像占位符 1"/>
+          <p:cNvSpPr>
+            <a:spLocks noGrp="1" noRot="1" noChangeAspect="1"/>
+          </p:cNvSpPr>
+          <p:nvPr>
+            <p:ph type="sldImg"/>
+          </p:nvPr>
+        </p:nvSpPr>
+        <p:spPr/>
+      </p:sp>
+      <p:sp>
+        <p:nvSpPr>
+          <p:cNvPr id="3" name="备注占位符 2"/>
+          <p:cNvSpPr>
+            <a:spLocks noGrp="1"/>
+          </p:cNvSpPr>
+          <p:nvPr>
+            <p:ph type="body" idx="1"/>
+          </p:nvPr>
+        </p:nvSpPr>
+        <p:spPr/>
+        <p:txBody>
+          <a:bodyPr/>
+          <a:lstStyle/>
+          <a:p>
+            <a:endParaRPr lang="zh-CN" altLang="en-US" dirty="0"/>
+          </a:p>
+        </p:txBody>
+      </p:sp>
+      <p:sp>
+        <p:nvSpPr>
+          <p:cNvPr id="4" name="灯片编号占位符 3"/>
+          <p:cNvSpPr>
+            <a:spLocks noGrp="1"/>
+          </p:cNvSpPr>
+          <p:nvPr>
+            <p:ph type="sldNum" sz="quarter" idx="5"/>
+          </p:nvPr>
+        </p:nvSpPr>
+        <p:spPr/>
+        <p:txBody>
+          <a:bodyPr/>
+          <a:lstStyle/>
+          <a:p>
+            <a:fld id="{20243972-8437-4FFD-A994-054600F4BB13}" type="slidenum">
+              <a:rPr lang="zh-CN" altLang="en-US" smtClean="0"/>
+            </a:fld>
+            <a:endParaRPr lang="zh-CN" altLang="en-US"/>
+          </a:p>
+        </p:txBody>
+      </p:sp>
+    </p:spTree>
+  </p:cSld>
+  <p:clrMapOvr>
+    <a:masterClrMapping/>
+  </p:clrMapOvr>
+</p:notes>
+</file>
+
+<file path=ppt/notesSlides/notesSlide5.xml><?xml version="1.0" encoding="utf-8"?>
 <p:notes xmlns:a="http://schemas.openxmlformats.org/drawingml/2006/main" xmlns:r="http://schemas.openxmlformats.org/officeDocument/2006/relationships" xmlns:p="http://schemas.openxmlformats.org/presentationml/2006/main">
   <p:cSld>
     <p:spTree>
@@ -3578,7 +3736,7 @@
         </p:nvSpPr>
         <p:spPr>
           <a:xfrm>
-            <a:off x="4632325" y="4251325"/>
+            <a:off x="4740910" y="2677160"/>
             <a:ext cx="13058140" cy="891540"/>
           </a:xfrm>
           <a:prstGeom prst="rect">
@@ -3664,7 +3822,7 @@
         </p:nvSpPr>
         <p:spPr>
           <a:xfrm>
-            <a:off x="4632325" y="5796280"/>
+            <a:off x="4740910" y="4222115"/>
             <a:ext cx="13058140" cy="891540"/>
           </a:xfrm>
           <a:prstGeom prst="rect">
@@ -3749,7 +3907,7 @@
         </p:nvSpPr>
         <p:spPr>
           <a:xfrm>
-            <a:off x="4632325" y="7341235"/>
+            <a:off x="4740910" y="5767070"/>
             <a:ext cx="13058140" cy="891540"/>
           </a:xfrm>
           <a:prstGeom prst="rect">
@@ -3825,6 +3983,231 @@
                 <a:sym typeface="+mn-ea"/>
               </a:rPr>
               <a:t>计划</a:t>
+            </a:r>
+            <a:endParaRPr lang="zh-CN" altLang="en-US" sz="4000" b="1" dirty="0">
+              <a:solidFill>
+                <a:srgbClr val="002060"/>
+              </a:solidFill>
+              <a:latin typeface="微软雅黑" panose="020B0503020204020204" pitchFamily="34" charset="-122"/>
+              <a:ea typeface="微软雅黑" panose="020B0503020204020204" pitchFamily="34" charset="-122"/>
+              <a:sym typeface="+mn-ea"/>
+            </a:endParaRPr>
+          </a:p>
+        </p:txBody>
+      </p:sp>
+      <p:sp>
+        <p:nvSpPr>
+          <p:cNvPr id="5" name="矩形 4"/>
+          <p:cNvSpPr/>
+          <p:nvPr/>
+        </p:nvSpPr>
+        <p:spPr>
+          <a:xfrm>
+            <a:off x="4740910" y="7312025"/>
+            <a:ext cx="13057505" cy="1008380"/>
+          </a:xfrm>
+          <a:prstGeom prst="rect">
+            <a:avLst/>
+          </a:prstGeom>
+        </p:spPr>
+        <p:txBody>
+          <a:bodyPr wrap="square">
+            <a:noAutofit/>
+          </a:bodyPr>
+          <a:p>
+            <a:pPr marL="508000" indent="-508000" defTabSz="1625600">
+              <a:lnSpc>
+                <a:spcPct val="130000"/>
+              </a:lnSpc>
+              <a:spcAft>
+                <a:spcPts val="1065"/>
+              </a:spcAft>
+              <a:buFont typeface="Wingdings" panose="05000000000000000000" pitchFamily="2" charset="2"/>
+              <a:buChar char="Ø"/>
+            </a:pPr>
+            <a:r>
+              <a:rPr lang="en-US" altLang="zh-CN" sz="4000" b="1" dirty="0">
+                <a:solidFill>
+                  <a:srgbClr val="002060"/>
+                </a:solidFill>
+                <a:latin typeface="微软雅黑" panose="020B0503020204020204" pitchFamily="34" charset="-122"/>
+                <a:ea typeface="微软雅黑" panose="020B0503020204020204" pitchFamily="34" charset="-122"/>
+                <a:sym typeface="+mn-ea"/>
+              </a:rPr>
+              <a:t>4.</a:t>
+            </a:r>
+            <a:r>
+              <a:rPr lang="zh-CN" altLang="en-US" sz="4000" b="1" dirty="0">
+                <a:solidFill>
+                  <a:srgbClr val="002060"/>
+                </a:solidFill>
+                <a:latin typeface="微软雅黑" panose="020B0503020204020204" pitchFamily="34" charset="-122"/>
+                <a:ea typeface="微软雅黑" panose="020B0503020204020204" pitchFamily="34" charset="-122"/>
+                <a:sym typeface="+mn-ea"/>
+              </a:rPr>
+              <a:t>算法前沿</a:t>
+            </a:r>
+            <a:r>
+              <a:rPr lang="en-US" altLang="zh-CN" sz="4000" b="1" dirty="0">
+                <a:solidFill>
+                  <a:srgbClr val="002060"/>
+                </a:solidFill>
+                <a:latin typeface="微软雅黑" panose="020B0503020204020204" pitchFamily="34" charset="-122"/>
+                <a:ea typeface="微软雅黑" panose="020B0503020204020204" pitchFamily="34" charset="-122"/>
+                <a:sym typeface="+mn-ea"/>
+              </a:rPr>
+              <a:t>——</a:t>
+            </a:r>
+            <a:r>
+              <a:rPr lang="zh-CN" altLang="en-US" sz="4000" b="1" dirty="0">
+                <a:solidFill>
+                  <a:srgbClr val="002060"/>
+                </a:solidFill>
+                <a:latin typeface="微软雅黑" panose="020B0503020204020204" pitchFamily="34" charset="-122"/>
+                <a:ea typeface="微软雅黑" panose="020B0503020204020204" pitchFamily="34" charset="-122"/>
+                <a:sym typeface="+mn-ea"/>
+              </a:rPr>
+              <a:t>学习最</a:t>
+            </a:r>
+            <a:r>
+              <a:rPr lang="zh-CN" altLang="en-US" sz="4000" b="1" dirty="0">
+                <a:solidFill>
+                  <a:srgbClr val="002060"/>
+                </a:solidFill>
+                <a:latin typeface="微软雅黑" panose="020B0503020204020204" pitchFamily="34" charset="-122"/>
+                <a:ea typeface="微软雅黑" panose="020B0503020204020204" pitchFamily="34" charset="-122"/>
+                <a:sym typeface="+mn-ea"/>
+              </a:rPr>
+              <a:t>新的</a:t>
+            </a:r>
+            <a:r>
+              <a:rPr lang="en-US" altLang="zh-CN" sz="4000" b="1" dirty="0">
+                <a:solidFill>
+                  <a:srgbClr val="002060"/>
+                </a:solidFill>
+                <a:latin typeface="微软雅黑" panose="020B0503020204020204" pitchFamily="34" charset="-122"/>
+                <a:ea typeface="微软雅黑" panose="020B0503020204020204" pitchFamily="34" charset="-122"/>
+                <a:sym typeface="+mn-ea"/>
+              </a:rPr>
+              <a:t>YOLOv11</a:t>
+            </a:r>
+            <a:r>
+              <a:rPr lang="zh-CN" altLang="en-US" sz="4000" b="1" dirty="0">
+                <a:solidFill>
+                  <a:srgbClr val="002060"/>
+                </a:solidFill>
+                <a:latin typeface="微软雅黑" panose="020B0503020204020204" pitchFamily="34" charset="-122"/>
+                <a:ea typeface="微软雅黑" panose="020B0503020204020204" pitchFamily="34" charset="-122"/>
+                <a:sym typeface="+mn-ea"/>
+              </a:rPr>
+              <a:t>开源</a:t>
+            </a:r>
+            <a:r>
+              <a:rPr lang="zh-CN" altLang="en-US" sz="4000" b="1" dirty="0">
+                <a:solidFill>
+                  <a:srgbClr val="002060"/>
+                </a:solidFill>
+                <a:latin typeface="微软雅黑" panose="020B0503020204020204" pitchFamily="34" charset="-122"/>
+                <a:ea typeface="微软雅黑" panose="020B0503020204020204" pitchFamily="34" charset="-122"/>
+                <a:sym typeface="+mn-ea"/>
+              </a:rPr>
+              <a:t>算法</a:t>
+            </a:r>
+            <a:endParaRPr lang="zh-CN" altLang="en-US" sz="4000" b="1" dirty="0">
+              <a:solidFill>
+                <a:srgbClr val="002060"/>
+              </a:solidFill>
+              <a:latin typeface="微软雅黑" panose="020B0503020204020204" pitchFamily="34" charset="-122"/>
+              <a:ea typeface="微软雅黑" panose="020B0503020204020204" pitchFamily="34" charset="-122"/>
+              <a:sym typeface="+mn-ea"/>
+            </a:endParaRPr>
+          </a:p>
+        </p:txBody>
+      </p:sp>
+      <p:sp>
+        <p:nvSpPr>
+          <p:cNvPr id="6" name="矩形 5"/>
+          <p:cNvSpPr/>
+          <p:nvPr/>
+        </p:nvSpPr>
+        <p:spPr>
+          <a:xfrm>
+            <a:off x="4740910" y="8856980"/>
+            <a:ext cx="13058140" cy="1008380"/>
+          </a:xfrm>
+          <a:prstGeom prst="rect">
+            <a:avLst/>
+          </a:prstGeom>
+        </p:spPr>
+        <p:txBody>
+          <a:bodyPr wrap="square">
+            <a:noAutofit/>
+          </a:bodyPr>
+          <a:p>
+            <a:pPr marL="508000" indent="-508000" defTabSz="1625600">
+              <a:lnSpc>
+                <a:spcPct val="130000"/>
+              </a:lnSpc>
+              <a:spcAft>
+                <a:spcPts val="1065"/>
+              </a:spcAft>
+              <a:buFont typeface="Wingdings" panose="05000000000000000000" pitchFamily="2" charset="2"/>
+              <a:buChar char="Ø"/>
+            </a:pPr>
+            <a:r>
+              <a:rPr lang="en-US" altLang="zh-CN" sz="4000" b="1" dirty="0">
+                <a:solidFill>
+                  <a:srgbClr val="002060"/>
+                </a:solidFill>
+                <a:latin typeface="微软雅黑" panose="020B0503020204020204" pitchFamily="34" charset="-122"/>
+                <a:ea typeface="微软雅黑" panose="020B0503020204020204" pitchFamily="34" charset="-122"/>
+                <a:sym typeface="+mn-ea"/>
+              </a:rPr>
+              <a:t>5.</a:t>
+            </a:r>
+            <a:r>
+              <a:rPr lang="zh-CN" altLang="en-US" sz="4000" b="1" dirty="0">
+                <a:solidFill>
+                  <a:srgbClr val="002060"/>
+                </a:solidFill>
+                <a:latin typeface="微软雅黑" panose="020B0503020204020204" pitchFamily="34" charset="-122"/>
+                <a:ea typeface="微软雅黑" panose="020B0503020204020204" pitchFamily="34" charset="-122"/>
+                <a:sym typeface="+mn-ea"/>
+              </a:rPr>
+              <a:t>学术会议</a:t>
+            </a:r>
+            <a:r>
+              <a:rPr lang="en-US" altLang="zh-CN" sz="4000" b="1" dirty="0">
+                <a:solidFill>
+                  <a:srgbClr val="002060"/>
+                </a:solidFill>
+                <a:latin typeface="微软雅黑" panose="020B0503020204020204" pitchFamily="34" charset="-122"/>
+                <a:ea typeface="微软雅黑" panose="020B0503020204020204" pitchFamily="34" charset="-122"/>
+                <a:sym typeface="+mn-ea"/>
+              </a:rPr>
+              <a:t>——</a:t>
+            </a:r>
+            <a:r>
+              <a:rPr lang="zh-CN" altLang="en-US" sz="4000" b="1" dirty="0">
+                <a:solidFill>
+                  <a:srgbClr val="002060"/>
+                </a:solidFill>
+                <a:latin typeface="微软雅黑" panose="020B0503020204020204" pitchFamily="34" charset="-122"/>
+                <a:ea typeface="微软雅黑" panose="020B0503020204020204" pitchFamily="34" charset="-122"/>
+                <a:sym typeface="+mn-ea"/>
+              </a:rPr>
+              <a:t>参加农业工程学科相关</a:t>
+            </a:r>
+            <a:r>
+              <a:rPr lang="zh-CN" altLang="en-US" sz="4000" b="1" dirty="0">
+                <a:solidFill>
+                  <a:srgbClr val="002060"/>
+                </a:solidFill>
+                <a:latin typeface="微软雅黑" panose="020B0503020204020204" pitchFamily="34" charset="-122"/>
+                <a:ea typeface="微软雅黑" panose="020B0503020204020204" pitchFamily="34" charset="-122"/>
+                <a:sym typeface="+mn-ea"/>
+              </a:rPr>
+              <a:t>学术会议</a:t>
             </a:r>
             <a:endParaRPr lang="zh-CN" altLang="en-US" sz="4000" b="1" dirty="0">
               <a:solidFill>
@@ -4576,6 +4959,594 @@
 </p:sld>
 </file>
 
+<file path=ppt/slides/slide5.xml><?xml version="1.0" encoding="utf-8"?>
+<p:sld xmlns:a="http://schemas.openxmlformats.org/drawingml/2006/main" xmlns:r="http://schemas.openxmlformats.org/officeDocument/2006/relationships" xmlns:p="http://schemas.openxmlformats.org/presentationml/2006/main">
+  <p:cSld>
+    <p:spTree>
+      <p:nvGrpSpPr>
+        <p:cNvPr id="1" name=""/>
+        <p:cNvGrpSpPr/>
+        <p:nvPr/>
+      </p:nvGrpSpPr>
+      <p:grpSpPr>
+        <a:xfrm>
+          <a:off x="0" y="0"/>
+          <a:ext cx="0" cy="0"/>
+          <a:chOff x="0" y="0"/>
+          <a:chExt cx="0" cy="0"/>
+        </a:xfrm>
+      </p:grpSpPr>
+      <p:sp>
+        <p:nvSpPr>
+          <p:cNvPr id="2" name="矩形 1"/>
+          <p:cNvSpPr/>
+          <p:nvPr/>
+        </p:nvSpPr>
+        <p:spPr>
+          <a:xfrm>
+            <a:off x="592455" y="234950"/>
+            <a:ext cx="15238730" cy="1008380"/>
+          </a:xfrm>
+          <a:prstGeom prst="rect">
+            <a:avLst/>
+          </a:prstGeom>
+        </p:spPr>
+        <p:txBody>
+          <a:bodyPr wrap="square">
+            <a:noAutofit/>
+          </a:bodyPr>
+          <a:lstStyle/>
+          <a:p>
+            <a:pPr marL="508000" indent="-508000" defTabSz="1625600">
+              <a:lnSpc>
+                <a:spcPct val="130000"/>
+              </a:lnSpc>
+              <a:spcAft>
+                <a:spcPts val="1065"/>
+              </a:spcAft>
+              <a:buFont typeface="Wingdings" panose="05000000000000000000" pitchFamily="2" charset="2"/>
+              <a:buChar char="Ø"/>
+            </a:pPr>
+            <a:r>
+              <a:rPr lang="en-US" altLang="zh-CN" sz="4000" b="1" dirty="0">
+                <a:solidFill>
+                  <a:srgbClr val="002060"/>
+                </a:solidFill>
+                <a:latin typeface="微软雅黑" panose="020B0503020204020204" pitchFamily="34" charset="-122"/>
+                <a:ea typeface="微软雅黑" panose="020B0503020204020204" pitchFamily="34" charset="-122"/>
+                <a:sym typeface="+mn-ea"/>
+              </a:rPr>
+              <a:t>4.</a:t>
+            </a:r>
+            <a:r>
+              <a:rPr lang="zh-CN" altLang="en-US" sz="4000" b="1" dirty="0">
+                <a:solidFill>
+                  <a:srgbClr val="002060"/>
+                </a:solidFill>
+                <a:latin typeface="微软雅黑" panose="020B0503020204020204" pitchFamily="34" charset="-122"/>
+                <a:ea typeface="微软雅黑" panose="020B0503020204020204" pitchFamily="34" charset="-122"/>
+                <a:sym typeface="+mn-ea"/>
+              </a:rPr>
+              <a:t>算法前沿</a:t>
+            </a:r>
+            <a:r>
+              <a:rPr lang="en-US" altLang="zh-CN" sz="4000" b="1" dirty="0">
+                <a:solidFill>
+                  <a:srgbClr val="002060"/>
+                </a:solidFill>
+                <a:latin typeface="微软雅黑" panose="020B0503020204020204" pitchFamily="34" charset="-122"/>
+                <a:ea typeface="微软雅黑" panose="020B0503020204020204" pitchFamily="34" charset="-122"/>
+                <a:sym typeface="+mn-ea"/>
+              </a:rPr>
+              <a:t>——</a:t>
+            </a:r>
+            <a:r>
+              <a:rPr lang="zh-CN" altLang="en-US" sz="4000" b="1" dirty="0">
+                <a:solidFill>
+                  <a:srgbClr val="002060"/>
+                </a:solidFill>
+                <a:latin typeface="微软雅黑" panose="020B0503020204020204" pitchFamily="34" charset="-122"/>
+                <a:ea typeface="微软雅黑" panose="020B0503020204020204" pitchFamily="34" charset="-122"/>
+                <a:sym typeface="+mn-ea"/>
+              </a:rPr>
+              <a:t>学习最先进的</a:t>
+            </a:r>
+            <a:r>
+              <a:rPr lang="en-US" altLang="zh-CN" sz="4000" b="1" dirty="0">
+                <a:solidFill>
+                  <a:srgbClr val="002060"/>
+                </a:solidFill>
+                <a:latin typeface="微软雅黑" panose="020B0503020204020204" pitchFamily="34" charset="-122"/>
+                <a:ea typeface="微软雅黑" panose="020B0503020204020204" pitchFamily="34" charset="-122"/>
+                <a:sym typeface="+mn-ea"/>
+              </a:rPr>
+              <a:t>YOLOv11</a:t>
+            </a:r>
+            <a:r>
+              <a:rPr lang="zh-CN" altLang="en-US" sz="4000" b="1" dirty="0">
+                <a:solidFill>
+                  <a:srgbClr val="002060"/>
+                </a:solidFill>
+                <a:latin typeface="微软雅黑" panose="020B0503020204020204" pitchFamily="34" charset="-122"/>
+                <a:ea typeface="微软雅黑" panose="020B0503020204020204" pitchFamily="34" charset="-122"/>
+                <a:sym typeface="+mn-ea"/>
+              </a:rPr>
+              <a:t>开源</a:t>
+            </a:r>
+            <a:r>
+              <a:rPr lang="zh-CN" altLang="en-US" sz="4000" b="1" dirty="0">
+                <a:solidFill>
+                  <a:srgbClr val="002060"/>
+                </a:solidFill>
+                <a:latin typeface="微软雅黑" panose="020B0503020204020204" pitchFamily="34" charset="-122"/>
+                <a:ea typeface="微软雅黑" panose="020B0503020204020204" pitchFamily="34" charset="-122"/>
+                <a:sym typeface="+mn-ea"/>
+              </a:rPr>
+              <a:t>算法</a:t>
+            </a:r>
+            <a:endParaRPr lang="zh-CN" altLang="en-US" sz="4000" b="1" dirty="0">
+              <a:solidFill>
+                <a:srgbClr val="002060"/>
+              </a:solidFill>
+              <a:latin typeface="微软雅黑" panose="020B0503020204020204" pitchFamily="34" charset="-122"/>
+              <a:ea typeface="微软雅黑" panose="020B0503020204020204" pitchFamily="34" charset="-122"/>
+              <a:sym typeface="+mn-ea"/>
+            </a:endParaRPr>
+          </a:p>
+        </p:txBody>
+      </p:sp>
+      <p:sp>
+        <p:nvSpPr>
+          <p:cNvPr id="9" name="文本框 8"/>
+          <p:cNvSpPr txBox="1"/>
+          <p:nvPr/>
+        </p:nvSpPr>
+        <p:spPr>
+          <a:xfrm>
+            <a:off x="3748405" y="10875010"/>
+            <a:ext cx="7224395" cy="368300"/>
+          </a:xfrm>
+          <a:prstGeom prst="rect">
+            <a:avLst/>
+          </a:prstGeom>
+          <a:noFill/>
+        </p:spPr>
+        <p:txBody>
+          <a:bodyPr wrap="square" rtlCol="0">
+            <a:spAutoFit/>
+          </a:bodyPr>
+          <a:p>
+            <a:endParaRPr lang="zh-CN" altLang="en-US"/>
+          </a:p>
+        </p:txBody>
+      </p:sp>
+      <p:sp>
+        <p:nvSpPr>
+          <p:cNvPr id="4" name="文本框 3"/>
+          <p:cNvSpPr txBox="1"/>
+          <p:nvPr/>
+        </p:nvSpPr>
+        <p:spPr>
+          <a:xfrm>
+            <a:off x="11918950" y="8729345"/>
+            <a:ext cx="8564880" cy="2800985"/>
+          </a:xfrm>
+          <a:prstGeom prst="rect">
+            <a:avLst/>
+          </a:prstGeom>
+          <a:noFill/>
+        </p:spPr>
+        <p:txBody>
+          <a:bodyPr wrap="square">
+            <a:noAutofit/>
+          </a:bodyPr>
+          <a:p>
+            <a:pPr indent="457200"/>
+            <a:r>
+              <a:rPr sz="6000" b="1" dirty="0">
+                <a:latin typeface="仿宋" panose="02010609060101010101" charset="-122"/>
+                <a:ea typeface="仿宋" panose="02010609060101010101" charset="-122"/>
+              </a:rPr>
+              <a:t>学习最先进</a:t>
+            </a:r>
+            <a:r>
+              <a:rPr lang="zh-CN" sz="6000" b="1" dirty="0">
+                <a:latin typeface="仿宋" panose="02010609060101010101" charset="-122"/>
+                <a:ea typeface="仿宋" panose="02010609060101010101" charset="-122"/>
+              </a:rPr>
+              <a:t>的</a:t>
+            </a:r>
+            <a:r>
+              <a:rPr sz="6000" b="1" dirty="0">
+                <a:latin typeface="仿宋" panose="02010609060101010101" charset="-122"/>
+                <a:ea typeface="仿宋" panose="02010609060101010101" charset="-122"/>
+              </a:rPr>
+              <a:t>YOLOv11开源算法</a:t>
+            </a:r>
+            <a:r>
+              <a:rPr lang="zh-CN" sz="6000" b="1" dirty="0">
+                <a:latin typeface="仿宋" panose="02010609060101010101" charset="-122"/>
+                <a:ea typeface="仿宋" panose="02010609060101010101" charset="-122"/>
+              </a:rPr>
+              <a:t>，探究其后期</a:t>
+            </a:r>
+            <a:r>
+              <a:rPr lang="zh-CN" sz="6000" b="1" dirty="0">
+                <a:latin typeface="仿宋" panose="02010609060101010101" charset="-122"/>
+                <a:ea typeface="仿宋" panose="02010609060101010101" charset="-122"/>
+              </a:rPr>
+              <a:t>应用。</a:t>
+            </a:r>
+            <a:endParaRPr lang="zh-CN" sz="6000" b="1" dirty="0">
+              <a:latin typeface="仿宋" panose="02010609060101010101" charset="-122"/>
+              <a:ea typeface="仿宋" panose="02010609060101010101" charset="-122"/>
+            </a:endParaRPr>
+          </a:p>
+        </p:txBody>
+      </p:sp>
+      <p:sp>
+        <p:nvSpPr>
+          <p:cNvPr id="8" name="文本框 7"/>
+          <p:cNvSpPr txBox="1"/>
+          <p:nvPr/>
+        </p:nvSpPr>
+        <p:spPr>
+          <a:xfrm>
+            <a:off x="21430615" y="8524240"/>
+            <a:ext cx="7224395" cy="368300"/>
+          </a:xfrm>
+          <a:prstGeom prst="rect">
+            <a:avLst/>
+          </a:prstGeom>
+          <a:noFill/>
+        </p:spPr>
+        <p:txBody>
+          <a:bodyPr wrap="square" rtlCol="0">
+            <a:spAutoFit/>
+          </a:bodyPr>
+          <a:p>
+            <a:endParaRPr lang="zh-CN" altLang="en-US"/>
+          </a:p>
+        </p:txBody>
+      </p:sp>
+      <p:pic>
+        <p:nvPicPr>
+          <p:cNvPr id="3" name="图片 2"/>
+          <p:cNvPicPr>
+            <a:picLocks noChangeAspect="1"/>
+          </p:cNvPicPr>
+          <p:nvPr/>
+        </p:nvPicPr>
+        <p:blipFill>
+          <a:blip r:embed="rId1"/>
+          <a:stretch>
+            <a:fillRect/>
+          </a:stretch>
+        </p:blipFill>
+        <p:spPr>
+          <a:xfrm>
+            <a:off x="11008360" y="1228725"/>
+            <a:ext cx="10665460" cy="6984365"/>
+          </a:xfrm>
+          <a:prstGeom prst="rect">
+            <a:avLst/>
+          </a:prstGeom>
+        </p:spPr>
+      </p:pic>
+      <p:pic>
+        <p:nvPicPr>
+          <p:cNvPr id="6" name="图片 5"/>
+          <p:cNvPicPr>
+            <a:picLocks noChangeAspect="1"/>
+          </p:cNvPicPr>
+          <p:nvPr/>
+        </p:nvPicPr>
+        <p:blipFill>
+          <a:blip r:embed="rId2"/>
+          <a:stretch>
+            <a:fillRect/>
+          </a:stretch>
+        </p:blipFill>
+        <p:spPr>
+          <a:xfrm>
+            <a:off x="520065" y="1315720"/>
+            <a:ext cx="10367010" cy="10339070"/>
+          </a:xfrm>
+          <a:prstGeom prst="rect">
+            <a:avLst/>
+          </a:prstGeom>
+        </p:spPr>
+      </p:pic>
+    </p:spTree>
+    <p:custDataLst>
+      <p:tags r:id="rId3"/>
+    </p:custDataLst>
+  </p:cSld>
+  <p:clrMapOvr>
+    <a:masterClrMapping/>
+  </p:clrMapOvr>
+  <p:timing>
+    <p:tnLst>
+      <p:par>
+        <p:cTn id="1" dur="indefinite" restart="never" nodeType="tmRoot"/>
+      </p:par>
+    </p:tnLst>
+  </p:timing>
+</p:sld>
+</file>
+
+<file path=ppt/slides/slide6.xml><?xml version="1.0" encoding="utf-8"?>
+<p:sld xmlns:a="http://schemas.openxmlformats.org/drawingml/2006/main" xmlns:r="http://schemas.openxmlformats.org/officeDocument/2006/relationships" xmlns:p="http://schemas.openxmlformats.org/presentationml/2006/main">
+  <p:cSld>
+    <p:spTree>
+      <p:nvGrpSpPr>
+        <p:cNvPr id="1" name=""/>
+        <p:cNvGrpSpPr/>
+        <p:nvPr/>
+      </p:nvGrpSpPr>
+      <p:grpSpPr>
+        <a:xfrm>
+          <a:off x="0" y="0"/>
+          <a:ext cx="0" cy="0"/>
+          <a:chOff x="0" y="0"/>
+          <a:chExt cx="0" cy="0"/>
+        </a:xfrm>
+      </p:grpSpPr>
+      <p:sp>
+        <p:nvSpPr>
+          <p:cNvPr id="2" name="矩形 1"/>
+          <p:cNvSpPr/>
+          <p:nvPr/>
+        </p:nvSpPr>
+        <p:spPr>
+          <a:xfrm>
+            <a:off x="592455" y="307340"/>
+            <a:ext cx="15238730" cy="1008380"/>
+          </a:xfrm>
+          <a:prstGeom prst="rect">
+            <a:avLst/>
+          </a:prstGeom>
+        </p:spPr>
+        <p:txBody>
+          <a:bodyPr wrap="square">
+            <a:noAutofit/>
+          </a:bodyPr>
+          <a:lstStyle/>
+          <a:p>
+            <a:pPr marL="508000" indent="-508000" defTabSz="1625600">
+              <a:lnSpc>
+                <a:spcPct val="130000"/>
+              </a:lnSpc>
+              <a:spcAft>
+                <a:spcPts val="1065"/>
+              </a:spcAft>
+              <a:buFont typeface="Wingdings" panose="05000000000000000000" pitchFamily="2" charset="2"/>
+              <a:buChar char="Ø"/>
+            </a:pPr>
+            <a:r>
+              <a:rPr lang="en-US" altLang="zh-CN" sz="4000" b="1" dirty="0">
+                <a:solidFill>
+                  <a:srgbClr val="002060"/>
+                </a:solidFill>
+                <a:latin typeface="微软雅黑" panose="020B0503020204020204" pitchFamily="34" charset="-122"/>
+                <a:ea typeface="微软雅黑" panose="020B0503020204020204" pitchFamily="34" charset="-122"/>
+                <a:sym typeface="+mn-ea"/>
+              </a:rPr>
+              <a:t>5.</a:t>
+            </a:r>
+            <a:r>
+              <a:rPr lang="zh-CN" altLang="en-US" sz="4000" b="1" dirty="0">
+                <a:solidFill>
+                  <a:srgbClr val="002060"/>
+                </a:solidFill>
+                <a:latin typeface="微软雅黑" panose="020B0503020204020204" pitchFamily="34" charset="-122"/>
+                <a:ea typeface="微软雅黑" panose="020B0503020204020204" pitchFamily="34" charset="-122"/>
+                <a:sym typeface="+mn-ea"/>
+              </a:rPr>
+              <a:t>学术会议</a:t>
+            </a:r>
+            <a:r>
+              <a:rPr lang="en-US" altLang="zh-CN" sz="4000" b="1" dirty="0">
+                <a:solidFill>
+                  <a:srgbClr val="002060"/>
+                </a:solidFill>
+                <a:latin typeface="微软雅黑" panose="020B0503020204020204" pitchFamily="34" charset="-122"/>
+                <a:ea typeface="微软雅黑" panose="020B0503020204020204" pitchFamily="34" charset="-122"/>
+                <a:sym typeface="+mn-ea"/>
+              </a:rPr>
+              <a:t>——</a:t>
+            </a:r>
+            <a:r>
+              <a:rPr lang="zh-CN" altLang="en-US" sz="4000" b="1" dirty="0">
+                <a:solidFill>
+                  <a:srgbClr val="002060"/>
+                </a:solidFill>
+                <a:latin typeface="微软雅黑" panose="020B0503020204020204" pitchFamily="34" charset="-122"/>
+                <a:ea typeface="微软雅黑" panose="020B0503020204020204" pitchFamily="34" charset="-122"/>
+                <a:sym typeface="+mn-ea"/>
+              </a:rPr>
+              <a:t>参加农业工程学科相关</a:t>
+            </a:r>
+            <a:r>
+              <a:rPr lang="zh-CN" altLang="en-US" sz="4000" b="1" dirty="0">
+                <a:solidFill>
+                  <a:srgbClr val="002060"/>
+                </a:solidFill>
+                <a:latin typeface="微软雅黑" panose="020B0503020204020204" pitchFamily="34" charset="-122"/>
+                <a:ea typeface="微软雅黑" panose="020B0503020204020204" pitchFamily="34" charset="-122"/>
+                <a:sym typeface="+mn-ea"/>
+              </a:rPr>
+              <a:t>学术</a:t>
+            </a:r>
+            <a:r>
+              <a:rPr lang="zh-CN" altLang="en-US" sz="4000" b="1" dirty="0">
+                <a:solidFill>
+                  <a:srgbClr val="002060"/>
+                </a:solidFill>
+                <a:latin typeface="微软雅黑" panose="020B0503020204020204" pitchFamily="34" charset="-122"/>
+                <a:ea typeface="微软雅黑" panose="020B0503020204020204" pitchFamily="34" charset="-122"/>
+                <a:sym typeface="+mn-ea"/>
+              </a:rPr>
+              <a:t>会议</a:t>
+            </a:r>
+            <a:endParaRPr lang="zh-CN" altLang="en-US" sz="4000" b="1" dirty="0">
+              <a:solidFill>
+                <a:srgbClr val="002060"/>
+              </a:solidFill>
+              <a:latin typeface="微软雅黑" panose="020B0503020204020204" pitchFamily="34" charset="-122"/>
+              <a:ea typeface="微软雅黑" panose="020B0503020204020204" pitchFamily="34" charset="-122"/>
+              <a:sym typeface="+mn-ea"/>
+            </a:endParaRPr>
+          </a:p>
+        </p:txBody>
+      </p:sp>
+      <p:sp>
+        <p:nvSpPr>
+          <p:cNvPr id="9" name="文本框 8"/>
+          <p:cNvSpPr txBox="1"/>
+          <p:nvPr/>
+        </p:nvSpPr>
+        <p:spPr>
+          <a:xfrm>
+            <a:off x="3748405" y="10875010"/>
+            <a:ext cx="7224395" cy="368300"/>
+          </a:xfrm>
+          <a:prstGeom prst="rect">
+            <a:avLst/>
+          </a:prstGeom>
+          <a:noFill/>
+        </p:spPr>
+        <p:txBody>
+          <a:bodyPr wrap="square" rtlCol="0">
+            <a:spAutoFit/>
+          </a:bodyPr>
+          <a:p>
+            <a:endParaRPr lang="zh-CN" altLang="en-US"/>
+          </a:p>
+        </p:txBody>
+      </p:sp>
+      <p:sp>
+        <p:nvSpPr>
+          <p:cNvPr id="4" name="文本框 3"/>
+          <p:cNvSpPr txBox="1"/>
+          <p:nvPr/>
+        </p:nvSpPr>
+        <p:spPr>
+          <a:xfrm>
+            <a:off x="16109315" y="4538345"/>
+            <a:ext cx="4868545" cy="3912870"/>
+          </a:xfrm>
+          <a:prstGeom prst="rect">
+            <a:avLst/>
+          </a:prstGeom>
+          <a:noFill/>
+        </p:spPr>
+        <p:txBody>
+          <a:bodyPr wrap="square">
+            <a:noAutofit/>
+          </a:bodyPr>
+          <a:p>
+            <a:pPr indent="457200"/>
+            <a:r>
+              <a:rPr sz="6000" b="1" dirty="0">
+                <a:latin typeface="仿宋" panose="02010609060101010101" charset="-122"/>
+                <a:ea typeface="仿宋" panose="02010609060101010101" charset="-122"/>
+              </a:rPr>
+              <a:t>参加农业工程学科相关学术会议</a:t>
+            </a:r>
+            <a:r>
+              <a:rPr lang="en-US" sz="6000" b="1" dirty="0">
+                <a:latin typeface="仿宋" panose="02010609060101010101" charset="-122"/>
+                <a:ea typeface="仿宋" panose="02010609060101010101" charset="-122"/>
+              </a:rPr>
+              <a:t>,</a:t>
+            </a:r>
+            <a:r>
+              <a:rPr lang="zh-CN" altLang="en-US" sz="6000" b="1" dirty="0">
+                <a:latin typeface="仿宋" panose="02010609060101010101" charset="-122"/>
+                <a:ea typeface="仿宋" panose="02010609060101010101" charset="-122"/>
+              </a:rPr>
+              <a:t>学习前沿学术</a:t>
+            </a:r>
+            <a:r>
+              <a:rPr lang="zh-CN" altLang="en-US" sz="6000" b="1" dirty="0">
+                <a:latin typeface="仿宋" panose="02010609060101010101" charset="-122"/>
+                <a:ea typeface="仿宋" panose="02010609060101010101" charset="-122"/>
+              </a:rPr>
+              <a:t>进展。</a:t>
+            </a:r>
+            <a:endParaRPr lang="zh-CN" altLang="en-US" sz="6000" b="1" dirty="0">
+              <a:latin typeface="仿宋" panose="02010609060101010101" charset="-122"/>
+              <a:ea typeface="仿宋" panose="02010609060101010101" charset="-122"/>
+            </a:endParaRPr>
+          </a:p>
+        </p:txBody>
+      </p:sp>
+      <p:sp>
+        <p:nvSpPr>
+          <p:cNvPr id="8" name="文本框 7"/>
+          <p:cNvSpPr txBox="1"/>
+          <p:nvPr/>
+        </p:nvSpPr>
+        <p:spPr>
+          <a:xfrm>
+            <a:off x="21430615" y="8524240"/>
+            <a:ext cx="7224395" cy="368300"/>
+          </a:xfrm>
+          <a:prstGeom prst="rect">
+            <a:avLst/>
+          </a:prstGeom>
+          <a:noFill/>
+        </p:spPr>
+        <p:txBody>
+          <a:bodyPr wrap="square" rtlCol="0">
+            <a:spAutoFit/>
+          </a:bodyPr>
+          <a:p>
+            <a:endParaRPr lang="zh-CN" altLang="en-US"/>
+          </a:p>
+        </p:txBody>
+      </p:sp>
+      <p:pic>
+        <p:nvPicPr>
+          <p:cNvPr id="3" name="图片 2"/>
+          <p:cNvPicPr/>
+          <p:nvPr/>
+        </p:nvPicPr>
+        <p:blipFill>
+          <a:blip r:embed="rId1"/>
+          <a:stretch>
+            <a:fillRect/>
+          </a:stretch>
+        </p:blipFill>
+        <p:spPr>
+          <a:xfrm>
+            <a:off x="974090" y="1315720"/>
+            <a:ext cx="14137640" cy="10603865"/>
+          </a:xfrm>
+          <a:prstGeom prst="rect">
+            <a:avLst/>
+          </a:prstGeom>
+        </p:spPr>
+      </p:pic>
+    </p:spTree>
+    <p:custDataLst>
+      <p:tags r:id="rId2"/>
+    </p:custDataLst>
+  </p:cSld>
+  <p:clrMapOvr>
+    <a:masterClrMapping/>
+  </p:clrMapOvr>
+  <p:timing>
+    <p:tnLst>
+      <p:par>
+        <p:cTn id="1" dur="indefinite" restart="never" nodeType="tmRoot"/>
+      </p:par>
+    </p:tnLst>
+  </p:timing>
+</p:sld>
+</file>
+
 <file path=ppt/tags/tag1.xml><?xml version="1.0" encoding="utf-8"?>
 <p:tagLst xmlns:p="http://schemas.openxmlformats.org/presentationml/2006/main">
   <p:tag name="KSO_WM_TEMPLATE_CATEGORY" val="preset"/>
@@ -4637,6 +5608,36 @@
 </file>
 
 <file path=ppt/tags/tag5.xml><?xml version="1.0" encoding="utf-8"?>
+<p:tagLst xmlns:p="http://schemas.openxmlformats.org/presentationml/2006/main">
+  <p:tag name="KSO_WM_TEMPLATE_CATEGORY" val="preset"/>
+  <p:tag name="KSO_WM_TEMPLATE_INDEX" val="11"/>
+  <p:tag name="KSO_WM_TAG_VERSION" val="1.0"/>
+  <p:tag name="KSO_WM_SLIDE_ID" val="256"/>
+  <p:tag name="KSO_WM_SLIDE_INDEX" val="1"/>
+  <p:tag name="KSO_WM_SLIDE_ITEM_CNT" val="2"/>
+  <p:tag name="KSO_WM_SLIDE_LAYOUT" val="a_b"/>
+  <p:tag name="KSO_WM_SLIDE_LAYOUT_CNT" val="1_1"/>
+  <p:tag name="KSO_WM_SLIDE_TYPE" val="title"/>
+  <p:tag name="KSO_WM_BEAUTIFY_FLAG" val="#wm#"/>
+</p:tagLst>
+</file>
+
+<file path=ppt/tags/tag6.xml><?xml version="1.0" encoding="utf-8"?>
+<p:tagLst xmlns:p="http://schemas.openxmlformats.org/presentationml/2006/main">
+  <p:tag name="KSO_WM_TEMPLATE_CATEGORY" val="preset"/>
+  <p:tag name="KSO_WM_TEMPLATE_INDEX" val="11"/>
+  <p:tag name="KSO_WM_TAG_VERSION" val="1.0"/>
+  <p:tag name="KSO_WM_SLIDE_ID" val="256"/>
+  <p:tag name="KSO_WM_SLIDE_INDEX" val="1"/>
+  <p:tag name="KSO_WM_SLIDE_ITEM_CNT" val="2"/>
+  <p:tag name="KSO_WM_SLIDE_LAYOUT" val="a_b"/>
+  <p:tag name="KSO_WM_SLIDE_LAYOUT_CNT" val="1_1"/>
+  <p:tag name="KSO_WM_SLIDE_TYPE" val="title"/>
+  <p:tag name="KSO_WM_BEAUTIFY_FLAG" val="#wm#"/>
+</p:tagLst>
+</file>
+
+<file path=ppt/tags/tag7.xml><?xml version="1.0" encoding="utf-8"?>
 <p:tagLst xmlns:p="http://schemas.openxmlformats.org/presentationml/2006/main">
   <p:tag name="COMMONDATA" val="eyJoZGlkIjoiOWRhYTQ4MWJhYTY5NDkxMzUyNjRmODllNWQxOTAzMTUifQ=="/>
   <p:tag name="commondata" val="eyJoZGlkIjoiMTZjYmNhNTQwZDE4ZWFjZTE1NDFkZTAwOGVlYjRkN2IifQ=="/>

--- a/2024年/周报20241213.pptx
+++ b/2024年/周报20241213.pptx
@@ -5640,7 +5640,7 @@
 <file path=ppt/tags/tag7.xml><?xml version="1.0" encoding="utf-8"?>
 <p:tagLst xmlns:p="http://schemas.openxmlformats.org/presentationml/2006/main">
   <p:tag name="COMMONDATA" val="eyJoZGlkIjoiOWRhYTQ4MWJhYTY5NDkxMzUyNjRmODllNWQxOTAzMTUifQ=="/>
-  <p:tag name="commondata" val="eyJoZGlkIjoiMTZjYmNhNTQwZDE4ZWFjZTE1NDFkZTAwOGVlYjRkN2IifQ=="/>
+  <p:tag name="commondata" val="eyJoZGlkIjoiNGU5YWM2MGEyN2Y1N2MyMzg4YThkNjFlOGVlOGJlYmUifQ=="/>
 </p:tagLst>
 </file>
 
